--- a/Supporting Files/CI Pipeline1.1.pptx
+++ b/Supporting Files/CI Pipeline1.1.pptx
@@ -5,10 +5,11 @@
     <p:sldMasterId id="2147483659" r:id="rId1"/>
   </p:sldMasterIdLst>
   <p:notesMasterIdLst>
-    <p:notesMasterId r:id="rId3"/>
+    <p:notesMasterId r:id="rId4"/>
   </p:notesMasterIdLst>
   <p:sldIdLst>
     <p:sldId id="266" r:id="rId2"/>
+    <p:sldId id="267" r:id="rId3"/>
   </p:sldIdLst>
   <p:sldSz cx="9144000" cy="5143500" type="screen16x9"/>
   <p:notesSz cx="6858000" cy="9144000"/>
@@ -5830,7 +5831,7 @@
           <p:cNvPr id="42" name="TextBox 41">
             <a:extLst>
               <a:ext uri="{FF2B5EF4-FFF2-40B4-BE49-F238E27FC236}">
-                <a16:creationId xmlns:a16="http://schemas.microsoft.com/office/drawing/2014/main" xmlns="" id="{EE09A003-2C6A-4D6C-B941-1F1757EC8B6C}"/>
+                <a16:creationId xmlns="" xmlns:a16="http://schemas.microsoft.com/office/drawing/2014/main" id="{EE09A003-2C6A-4D6C-B941-1F1757EC8B6C}"/>
               </a:ext>
             </a:extLst>
           </p:cNvPr>
@@ -5872,7 +5873,7 @@
           <p:cNvPr id="43" name="TextBox 42">
             <a:extLst>
               <a:ext uri="{FF2B5EF4-FFF2-40B4-BE49-F238E27FC236}">
-                <a16:creationId xmlns:a16="http://schemas.microsoft.com/office/drawing/2014/main" xmlns="" id="{68270CC3-5668-43AA-A988-DE16567EEF69}"/>
+                <a16:creationId xmlns="" xmlns:a16="http://schemas.microsoft.com/office/drawing/2014/main" id="{68270CC3-5668-43AA-A988-DE16567EEF69}"/>
               </a:ext>
             </a:extLst>
           </p:cNvPr>
@@ -5914,7 +5915,7 @@
           <p:cNvPr id="44" name="TextBox 43">
             <a:extLst>
               <a:ext uri="{FF2B5EF4-FFF2-40B4-BE49-F238E27FC236}">
-                <a16:creationId xmlns:a16="http://schemas.microsoft.com/office/drawing/2014/main" xmlns="" id="{A350A9A9-CB60-4771-9C72-9B62A5E10C73}"/>
+                <a16:creationId xmlns="" xmlns:a16="http://schemas.microsoft.com/office/drawing/2014/main" id="{A350A9A9-CB60-4771-9C72-9B62A5E10C73}"/>
               </a:ext>
             </a:extLst>
           </p:cNvPr>
@@ -5956,7 +5957,7 @@
           <p:cNvPr id="45" name="TextBox 44">
             <a:extLst>
               <a:ext uri="{FF2B5EF4-FFF2-40B4-BE49-F238E27FC236}">
-                <a16:creationId xmlns:a16="http://schemas.microsoft.com/office/drawing/2014/main" xmlns="" id="{E3F9A578-2C50-4157-B45F-81E4BAC25E2B}"/>
+                <a16:creationId xmlns="" xmlns:a16="http://schemas.microsoft.com/office/drawing/2014/main" id="{E3F9A578-2C50-4157-B45F-81E4BAC25E2B}"/>
               </a:ext>
             </a:extLst>
           </p:cNvPr>
@@ -6188,6 +6189,2028 @@
     <p:extLst>
       <p:ext uri="{BB962C8B-B14F-4D97-AF65-F5344CB8AC3E}">
         <p14:creationId xmlns:p14="http://schemas.microsoft.com/office/powerpoint/2010/main" val="115307512"/>
+      </p:ext>
+    </p:extLst>
+  </p:cSld>
+  <p:clrMapOvr>
+    <a:masterClrMapping/>
+  </p:clrMapOvr>
+</p:sld>
+</file>
+
+<file path=ppt/slides/slide2.xml><?xml version="1.0" encoding="utf-8"?>
+<p:sld xmlns:a="http://schemas.openxmlformats.org/drawingml/2006/main" xmlns:r="http://schemas.openxmlformats.org/officeDocument/2006/relationships" xmlns:p="http://schemas.openxmlformats.org/presentationml/2006/main">
+  <p:cSld>
+    <p:spTree>
+      <p:nvGrpSpPr>
+        <p:cNvPr id="1" name=""/>
+        <p:cNvGrpSpPr/>
+        <p:nvPr/>
+      </p:nvGrpSpPr>
+      <p:grpSpPr>
+        <a:xfrm>
+          <a:off x="0" y="0"/>
+          <a:ext cx="0" cy="0"/>
+          <a:chOff x="0" y="0"/>
+          <a:chExt cx="0" cy="0"/>
+        </a:xfrm>
+      </p:grpSpPr>
+      <p:grpSp>
+        <p:nvGrpSpPr>
+          <p:cNvPr id="38" name="Group 37"/>
+          <p:cNvGrpSpPr/>
+          <p:nvPr/>
+        </p:nvGrpSpPr>
+        <p:grpSpPr>
+          <a:xfrm>
+            <a:off x="277256" y="358192"/>
+            <a:ext cx="790576" cy="918965"/>
+            <a:chOff x="335521" y="63681"/>
+            <a:chExt cx="790576" cy="918965"/>
+          </a:xfrm>
+        </p:grpSpPr>
+        <p:pic>
+          <p:nvPicPr>
+            <p:cNvPr id="5" name="Picture 4" descr="A picture containing text&#10;&#10;Description automatically generated">
+              <a:extLst>
+                <a:ext uri="{FF2B5EF4-FFF2-40B4-BE49-F238E27FC236}">
+                  <a16:creationId xmlns:a16="http://schemas.microsoft.com/office/drawing/2014/main" xmlns="" id="{BB992D56-FFD6-4A79-9161-BE4D1DE259FB}"/>
+                </a:ext>
+              </a:extLst>
+            </p:cNvPr>
+            <p:cNvPicPr>
+              <a:picLocks noChangeAspect="1"/>
+            </p:cNvPicPr>
+            <p:nvPr/>
+          </p:nvPicPr>
+          <p:blipFill>
+            <a:blip r:embed="rId2"/>
+            <a:stretch>
+              <a:fillRect/>
+            </a:stretch>
+          </p:blipFill>
+          <p:spPr>
+            <a:xfrm>
+              <a:off x="335522" y="220646"/>
+              <a:ext cx="790575" cy="762000"/>
+            </a:xfrm>
+            <a:prstGeom prst="rect">
+              <a:avLst/>
+            </a:prstGeom>
+          </p:spPr>
+        </p:pic>
+        <p:sp>
+          <p:nvSpPr>
+            <p:cNvPr id="7" name="TextBox 6">
+              <a:extLst>
+                <a:ext uri="{FF2B5EF4-FFF2-40B4-BE49-F238E27FC236}">
+                  <a16:creationId xmlns:a16="http://schemas.microsoft.com/office/drawing/2014/main" xmlns="" id="{68270CC3-5668-43AA-A988-DE16567EEF69}"/>
+                </a:ext>
+              </a:extLst>
+            </p:cNvPr>
+            <p:cNvSpPr txBox="1"/>
+            <p:nvPr/>
+          </p:nvSpPr>
+          <p:spPr>
+            <a:xfrm>
+              <a:off x="335521" y="63681"/>
+              <a:ext cx="790575" cy="230832"/>
+            </a:xfrm>
+            <a:prstGeom prst="rect">
+              <a:avLst/>
+            </a:prstGeom>
+            <a:noFill/>
+          </p:spPr>
+          <p:txBody>
+            <a:bodyPr rot="0" spcFirstLastPara="0" vertOverflow="overflow" horzOverflow="overflow" vert="horz" wrap="square" lIns="91440" tIns="45720" rIns="91440" bIns="45720" numCol="1" spcCol="0" rtlCol="0" fromWordArt="0" anchor="t" anchorCtr="0" forceAA="0" compatLnSpc="1">
+              <a:prstTxWarp prst="textNoShape">
+                <a:avLst/>
+              </a:prstTxWarp>
+              <a:spAutoFit/>
+            </a:bodyPr>
+            <a:lstStyle/>
+            <a:p>
+              <a:pPr algn="ctr"/>
+              <a:r>
+                <a:rPr lang="en-US" sz="900" dirty="0">
+                  <a:solidFill>
+                    <a:schemeClr val="accent1"/>
+                  </a:solidFill>
+                  <a:latin typeface="Calibri"/>
+                  <a:cs typeface="Calibri"/>
+                </a:rPr>
+                <a:t>Developers</a:t>
+              </a:r>
+            </a:p>
+          </p:txBody>
+        </p:sp>
+      </p:grpSp>
+      <p:grpSp>
+        <p:nvGrpSpPr>
+          <p:cNvPr id="39" name="Group 38"/>
+          <p:cNvGrpSpPr/>
+          <p:nvPr/>
+        </p:nvGrpSpPr>
+        <p:grpSpPr>
+          <a:xfrm>
+            <a:off x="1539942" y="776184"/>
+            <a:ext cx="975594" cy="907821"/>
+            <a:chOff x="1423343" y="1014266"/>
+            <a:chExt cx="975594" cy="907821"/>
+          </a:xfrm>
+        </p:grpSpPr>
+        <p:pic>
+          <p:nvPicPr>
+            <p:cNvPr id="6" name="Picture 2" descr="Icon&#10;&#10;Description automatically generated">
+              <a:extLst>
+                <a:ext uri="{FF2B5EF4-FFF2-40B4-BE49-F238E27FC236}">
+                  <a16:creationId xmlns:a16="http://schemas.microsoft.com/office/drawing/2014/main" xmlns="" id="{6C949BAD-0D19-441E-B2B3-A8A150D2FB0A}"/>
+                </a:ext>
+              </a:extLst>
+            </p:cNvPr>
+            <p:cNvPicPr>
+              <a:picLocks noChangeAspect="1"/>
+            </p:cNvPicPr>
+            <p:nvPr/>
+          </p:nvPicPr>
+          <p:blipFill>
+            <a:blip r:embed="rId3"/>
+            <a:stretch>
+              <a:fillRect/>
+            </a:stretch>
+          </p:blipFill>
+          <p:spPr>
+            <a:xfrm>
+              <a:off x="1476257" y="1325360"/>
+              <a:ext cx="914730" cy="596727"/>
+            </a:xfrm>
+            <a:prstGeom prst="rect">
+              <a:avLst/>
+            </a:prstGeom>
+          </p:spPr>
+        </p:pic>
+        <p:sp>
+          <p:nvSpPr>
+            <p:cNvPr id="9" name="Google Shape;134;p21"/>
+            <p:cNvSpPr txBox="1"/>
+            <p:nvPr/>
+          </p:nvSpPr>
+          <p:spPr>
+            <a:xfrm>
+              <a:off x="1423343" y="1014266"/>
+              <a:ext cx="975594" cy="323135"/>
+            </a:xfrm>
+            <a:prstGeom prst="rect">
+              <a:avLst/>
+            </a:prstGeom>
+            <a:noFill/>
+            <a:ln>
+              <a:noFill/>
+            </a:ln>
+          </p:spPr>
+          <p:txBody>
+            <a:bodyPr spcFirstLastPara="1" wrap="square" lIns="91425" tIns="91425" rIns="91425" bIns="91425" anchor="t" anchorCtr="0">
+              <a:spAutoFit/>
+            </a:bodyPr>
+            <a:lstStyle/>
+            <a:p>
+              <a:pPr algn="ctr"/>
+              <a:r>
+                <a:rPr lang="en" sz="900" dirty="0">
+                  <a:solidFill>
+                    <a:schemeClr val="accent1"/>
+                  </a:solidFill>
+                  <a:latin typeface="Calibri"/>
+                  <a:cs typeface="Calibri"/>
+                </a:rPr>
+                <a:t>Source Code</a:t>
+              </a:r>
+              <a:endParaRPr sz="900" dirty="0" err="1">
+                <a:solidFill>
+                  <a:schemeClr val="accent1"/>
+                </a:solidFill>
+                <a:latin typeface="Calibri"/>
+                <a:cs typeface="Calibri"/>
+              </a:endParaRPr>
+            </a:p>
+          </p:txBody>
+        </p:sp>
+      </p:grpSp>
+      <p:sp>
+        <p:nvSpPr>
+          <p:cNvPr id="10" name="TextBox 9">
+            <a:extLst>
+              <a:ext uri="{FF2B5EF4-FFF2-40B4-BE49-F238E27FC236}">
+                <a16:creationId xmlns:a16="http://schemas.microsoft.com/office/drawing/2014/main" xmlns="" id="{CAEC484D-BA0E-4CA7-90D3-1519FBC0FA81}"/>
+              </a:ext>
+            </a:extLst>
+          </p:cNvPr>
+          <p:cNvSpPr txBox="1"/>
+          <p:nvPr/>
+        </p:nvSpPr>
+        <p:spPr>
+          <a:xfrm>
+            <a:off x="2933268" y="776184"/>
+            <a:ext cx="508489" cy="215444"/>
+          </a:xfrm>
+          <a:prstGeom prst="rect">
+            <a:avLst/>
+          </a:prstGeom>
+          <a:noFill/>
+        </p:spPr>
+        <p:txBody>
+          <a:bodyPr rot="0" spcFirstLastPara="0" vertOverflow="overflow" horzOverflow="overflow" vert="horz" wrap="square" lIns="91440" tIns="45720" rIns="91440" bIns="45720" numCol="1" spcCol="0" rtlCol="0" fromWordArt="0" anchor="t" anchorCtr="0" forceAA="0" compatLnSpc="1">
+            <a:prstTxWarp prst="textNoShape">
+              <a:avLst/>
+            </a:prstTxWarp>
+            <a:spAutoFit/>
+          </a:bodyPr>
+          <a:lstStyle/>
+          <a:p>
+            <a:pPr algn="l"/>
+            <a:r>
+              <a:rPr lang="en-US" sz="800" b="1" dirty="0">
+                <a:latin typeface="Calibri"/>
+                <a:cs typeface="Calibri"/>
+              </a:rPr>
+              <a:t>Pull</a:t>
+            </a:r>
+          </a:p>
+        </p:txBody>
+      </p:sp>
+      <p:sp>
+        <p:nvSpPr>
+          <p:cNvPr id="11" name="TextBox 10">
+            <a:extLst>
+              <a:ext uri="{FF2B5EF4-FFF2-40B4-BE49-F238E27FC236}">
+                <a16:creationId xmlns:a16="http://schemas.microsoft.com/office/drawing/2014/main" xmlns="" id="{23512E02-E61B-42B0-91CF-047D51AAFEFA}"/>
+              </a:ext>
+            </a:extLst>
+          </p:cNvPr>
+          <p:cNvSpPr txBox="1"/>
+          <p:nvPr/>
+        </p:nvSpPr>
+        <p:spPr>
+          <a:xfrm>
+            <a:off x="2913593" y="1405006"/>
+            <a:ext cx="508489" cy="215444"/>
+          </a:xfrm>
+          <a:prstGeom prst="rect">
+            <a:avLst/>
+          </a:prstGeom>
+          <a:noFill/>
+        </p:spPr>
+        <p:txBody>
+          <a:bodyPr rot="0" spcFirstLastPara="0" vertOverflow="overflow" horzOverflow="overflow" vert="horz" wrap="square" lIns="91440" tIns="45720" rIns="91440" bIns="45720" numCol="1" spcCol="0" rtlCol="0" fromWordArt="0" anchor="t" anchorCtr="0" forceAA="0" compatLnSpc="1">
+            <a:prstTxWarp prst="textNoShape">
+              <a:avLst/>
+            </a:prstTxWarp>
+            <a:spAutoFit/>
+          </a:bodyPr>
+          <a:lstStyle/>
+          <a:p>
+            <a:pPr algn="l"/>
+            <a:r>
+              <a:rPr lang="en-US" sz="800" b="1" dirty="0">
+                <a:latin typeface="Calibri"/>
+                <a:cs typeface="Calibri"/>
+              </a:rPr>
+              <a:t>Push</a:t>
+            </a:r>
+          </a:p>
+        </p:txBody>
+      </p:sp>
+      <p:grpSp>
+        <p:nvGrpSpPr>
+          <p:cNvPr id="40" name="Group 39"/>
+          <p:cNvGrpSpPr/>
+          <p:nvPr/>
+        </p:nvGrpSpPr>
+        <p:grpSpPr>
+          <a:xfrm>
+            <a:off x="3792419" y="752230"/>
+            <a:ext cx="1450070" cy="846453"/>
+            <a:chOff x="3972921" y="317953"/>
+            <a:chExt cx="1450070" cy="846453"/>
+          </a:xfrm>
+        </p:grpSpPr>
+        <p:pic>
+          <p:nvPicPr>
+            <p:cNvPr id="12" name="Picture 3" descr="Icon&#10;&#10;Description automatically generated">
+              <a:extLst>
+                <a:ext uri="{FF2B5EF4-FFF2-40B4-BE49-F238E27FC236}">
+                  <a16:creationId xmlns:a16="http://schemas.microsoft.com/office/drawing/2014/main" xmlns="" id="{13090E92-4AD4-4DB7-AC34-2E1575995800}"/>
+                </a:ext>
+              </a:extLst>
+            </p:cNvPr>
+            <p:cNvPicPr>
+              <a:picLocks noChangeAspect="1"/>
+            </p:cNvPicPr>
+            <p:nvPr/>
+          </p:nvPicPr>
+          <p:blipFill>
+            <a:blip r:embed="rId4"/>
+            <a:stretch>
+              <a:fillRect/>
+            </a:stretch>
+          </p:blipFill>
+          <p:spPr>
+            <a:xfrm>
+              <a:off x="3972921" y="561609"/>
+              <a:ext cx="834118" cy="602797"/>
+            </a:xfrm>
+            <a:prstGeom prst="rect">
+              <a:avLst/>
+            </a:prstGeom>
+          </p:spPr>
+        </p:pic>
+        <p:sp>
+          <p:nvSpPr>
+            <p:cNvPr id="14" name="TextBox 13">
+              <a:extLst>
+                <a:ext uri="{FF2B5EF4-FFF2-40B4-BE49-F238E27FC236}">
+                  <a16:creationId xmlns:a16="http://schemas.microsoft.com/office/drawing/2014/main" xmlns="" id="{1A2D585E-2EFB-4431-9D97-EAD6AD8D9F31}"/>
+                </a:ext>
+              </a:extLst>
+            </p:cNvPr>
+            <p:cNvSpPr txBox="1"/>
+            <p:nvPr/>
+          </p:nvSpPr>
+          <p:spPr>
+            <a:xfrm>
+              <a:off x="3972921" y="317953"/>
+              <a:ext cx="1357933" cy="230832"/>
+            </a:xfrm>
+            <a:prstGeom prst="rect">
+              <a:avLst/>
+            </a:prstGeom>
+            <a:noFill/>
+          </p:spPr>
+          <p:txBody>
+            <a:bodyPr rot="0" spcFirstLastPara="0" vertOverflow="overflow" horzOverflow="overflow" vert="horz" wrap="square" lIns="91440" tIns="45720" rIns="91440" bIns="45720" numCol="1" spcCol="0" rtlCol="0" fromWordArt="0" anchor="t" anchorCtr="0" forceAA="0" compatLnSpc="1">
+              <a:prstTxWarp prst="textNoShape">
+                <a:avLst/>
+              </a:prstTxWarp>
+              <a:spAutoFit/>
+            </a:bodyPr>
+            <a:lstStyle/>
+            <a:p>
+              <a:pPr algn="ctr"/>
+              <a:r>
+                <a:rPr lang="en-US" sz="900" dirty="0">
+                  <a:solidFill>
+                    <a:schemeClr val="accent1"/>
+                  </a:solidFill>
+                  <a:latin typeface="Calibri"/>
+                  <a:cs typeface="Calibri"/>
+                </a:rPr>
+                <a:t>Version Control System</a:t>
+              </a:r>
+            </a:p>
+          </p:txBody>
+        </p:sp>
+        <p:sp>
+          <p:nvSpPr>
+            <p:cNvPr id="15" name="Google Shape;131;p21"/>
+            <p:cNvSpPr txBox="1"/>
+            <p:nvPr/>
+          </p:nvSpPr>
+          <p:spPr>
+            <a:xfrm>
+              <a:off x="4763483" y="675742"/>
+              <a:ext cx="659508" cy="338524"/>
+            </a:xfrm>
+            <a:prstGeom prst="rect">
+              <a:avLst/>
+            </a:prstGeom>
+            <a:noFill/>
+            <a:ln>
+              <a:noFill/>
+            </a:ln>
+          </p:spPr>
+          <p:txBody>
+            <a:bodyPr spcFirstLastPara="1" wrap="square" lIns="91425" tIns="91425" rIns="91425" bIns="91425" anchor="t" anchorCtr="0">
+              <a:spAutoFit/>
+            </a:bodyPr>
+            <a:lstStyle/>
+            <a:p>
+              <a:pPr marL="0" lvl="0" indent="0" algn="l" rtl="0">
+                <a:spcBef>
+                  <a:spcPts val="0"/>
+                </a:spcBef>
+                <a:spcAft>
+                  <a:spcPts val="0"/>
+                </a:spcAft>
+                <a:buNone/>
+              </a:pPr>
+              <a:r>
+                <a:rPr lang="en" sz="1000" dirty="0">
+                  <a:latin typeface="Calibri"/>
+                  <a:cs typeface="Calibri"/>
+                </a:rPr>
+                <a:t>GITHUB</a:t>
+              </a:r>
+              <a:endParaRPr sz="1000" dirty="0">
+                <a:latin typeface="Calibri"/>
+                <a:cs typeface="Calibri"/>
+              </a:endParaRPr>
+            </a:p>
+          </p:txBody>
+        </p:sp>
+      </p:grpSp>
+      <p:sp>
+        <p:nvSpPr>
+          <p:cNvPr id="16" name="TextBox 15">
+            <a:extLst>
+              <a:ext uri="{FF2B5EF4-FFF2-40B4-BE49-F238E27FC236}">
+                <a16:creationId xmlns:a16="http://schemas.microsoft.com/office/drawing/2014/main" xmlns="" id="{D97BD878-4466-4D47-ABDB-70C1AA2C37DF}"/>
+              </a:ext>
+            </a:extLst>
+          </p:cNvPr>
+          <p:cNvSpPr txBox="1"/>
+          <p:nvPr/>
+        </p:nvSpPr>
+        <p:spPr>
+          <a:xfrm>
+            <a:off x="6006315" y="750845"/>
+            <a:ext cx="633046" cy="215444"/>
+          </a:xfrm>
+          <a:prstGeom prst="rect">
+            <a:avLst/>
+          </a:prstGeom>
+          <a:noFill/>
+        </p:spPr>
+        <p:txBody>
+          <a:bodyPr rot="0" spcFirstLastPara="0" vertOverflow="overflow" horzOverflow="overflow" vert="horz" wrap="square" lIns="91440" tIns="45720" rIns="91440" bIns="45720" numCol="1" spcCol="0" rtlCol="0" fromWordArt="0" anchor="t" anchorCtr="0" forceAA="0" compatLnSpc="1">
+            <a:prstTxWarp prst="textNoShape">
+              <a:avLst/>
+            </a:prstTxWarp>
+            <a:spAutoFit/>
+          </a:bodyPr>
+          <a:lstStyle/>
+          <a:p>
+            <a:r>
+              <a:rPr lang="en-US" sz="800" b="1" dirty="0">
+                <a:latin typeface="Calibri"/>
+                <a:cs typeface="Calibri"/>
+              </a:rPr>
+              <a:t>Get Work</a:t>
+            </a:r>
+          </a:p>
+        </p:txBody>
+      </p:sp>
+      <p:sp>
+        <p:nvSpPr>
+          <p:cNvPr id="17" name="TextBox 16">
+            <a:extLst>
+              <a:ext uri="{FF2B5EF4-FFF2-40B4-BE49-F238E27FC236}">
+                <a16:creationId xmlns:a16="http://schemas.microsoft.com/office/drawing/2014/main" xmlns="" id="{D54D8393-D4AC-46F3-8A56-0964FD5841B6}"/>
+              </a:ext>
+            </a:extLst>
+          </p:cNvPr>
+          <p:cNvSpPr txBox="1"/>
+          <p:nvPr/>
+        </p:nvSpPr>
+        <p:spPr>
+          <a:xfrm>
+            <a:off x="6006315" y="1189562"/>
+            <a:ext cx="779584" cy="215444"/>
+          </a:xfrm>
+          <a:prstGeom prst="rect">
+            <a:avLst/>
+          </a:prstGeom>
+          <a:noFill/>
+        </p:spPr>
+        <p:txBody>
+          <a:bodyPr rot="0" spcFirstLastPara="0" vertOverflow="overflow" horzOverflow="overflow" vert="horz" wrap="square" lIns="91440" tIns="45720" rIns="91440" bIns="45720" numCol="1" spcCol="0" rtlCol="0" fromWordArt="0" anchor="t" anchorCtr="0" forceAA="0" compatLnSpc="1">
+            <a:prstTxWarp prst="textNoShape">
+              <a:avLst/>
+            </a:prstTxWarp>
+            <a:spAutoFit/>
+          </a:bodyPr>
+          <a:lstStyle/>
+          <a:p>
+            <a:r>
+              <a:rPr lang="en-US" sz="800" b="1" dirty="0">
+                <a:latin typeface="Calibri"/>
+                <a:cs typeface="Calibri"/>
+              </a:rPr>
+              <a:t>Update Work</a:t>
+            </a:r>
+          </a:p>
+        </p:txBody>
+      </p:sp>
+      <p:grpSp>
+        <p:nvGrpSpPr>
+          <p:cNvPr id="41" name="Group 40"/>
+          <p:cNvGrpSpPr/>
+          <p:nvPr/>
+        </p:nvGrpSpPr>
+        <p:grpSpPr>
+          <a:xfrm>
+            <a:off x="7490025" y="246267"/>
+            <a:ext cx="946476" cy="943295"/>
+            <a:chOff x="7039289" y="384420"/>
+            <a:chExt cx="946476" cy="667843"/>
+          </a:xfrm>
+        </p:grpSpPr>
+        <p:pic>
+          <p:nvPicPr>
+            <p:cNvPr id="18" name="Picture 10" descr="A picture containing text, businesscard, vector graphics&#10;&#10;Description automatically generated">
+              <a:extLst>
+                <a:ext uri="{FF2B5EF4-FFF2-40B4-BE49-F238E27FC236}">
+                  <a16:creationId xmlns:a16="http://schemas.microsoft.com/office/drawing/2014/main" xmlns="" id="{C32900A7-EF60-47BB-B3BF-355AD42CF2CA}"/>
+                </a:ext>
+              </a:extLst>
+            </p:cNvPr>
+            <p:cNvPicPr>
+              <a:picLocks noChangeAspect="1"/>
+            </p:cNvPicPr>
+            <p:nvPr/>
+          </p:nvPicPr>
+          <p:blipFill>
+            <a:blip r:embed="rId5"/>
+            <a:stretch>
+              <a:fillRect/>
+            </a:stretch>
+          </p:blipFill>
+          <p:spPr>
+            <a:xfrm>
+              <a:off x="7039289" y="637746"/>
+              <a:ext cx="556429" cy="414517"/>
+            </a:xfrm>
+            <a:prstGeom prst="rect">
+              <a:avLst/>
+            </a:prstGeom>
+          </p:spPr>
+        </p:pic>
+        <p:sp>
+          <p:nvSpPr>
+            <p:cNvPr id="19" name="TextBox 18">
+              <a:extLst>
+                <a:ext uri="{FF2B5EF4-FFF2-40B4-BE49-F238E27FC236}">
+                  <a16:creationId xmlns:a16="http://schemas.microsoft.com/office/drawing/2014/main" xmlns="" id="{2DC584CC-95B9-4282-A54B-A8AEAFD8AACC}"/>
+                </a:ext>
+              </a:extLst>
+            </p:cNvPr>
+            <p:cNvSpPr txBox="1"/>
+            <p:nvPr/>
+          </p:nvSpPr>
+          <p:spPr>
+            <a:xfrm>
+              <a:off x="7039289" y="384420"/>
+              <a:ext cx="946476" cy="230832"/>
+            </a:xfrm>
+            <a:prstGeom prst="rect">
+              <a:avLst/>
+            </a:prstGeom>
+            <a:noFill/>
+          </p:spPr>
+          <p:txBody>
+            <a:bodyPr rot="0" spcFirstLastPara="0" vertOverflow="overflow" horzOverflow="overflow" vert="horz" wrap="square" lIns="91440" tIns="45720" rIns="91440" bIns="45720" numCol="1" spcCol="0" rtlCol="0" fromWordArt="0" anchor="t" anchorCtr="0" forceAA="0" compatLnSpc="1">
+              <a:prstTxWarp prst="textNoShape">
+                <a:avLst/>
+              </a:prstTxWarp>
+              <a:spAutoFit/>
+            </a:bodyPr>
+            <a:lstStyle/>
+            <a:p>
+              <a:r>
+                <a:rPr lang="en-US" sz="900" dirty="0">
+                  <a:latin typeface="Calibri"/>
+                  <a:cs typeface="Calibri"/>
+                </a:rPr>
+                <a:t>Project Tracking</a:t>
+              </a:r>
+            </a:p>
+          </p:txBody>
+        </p:sp>
+        <p:sp>
+          <p:nvSpPr>
+            <p:cNvPr id="20" name="Google Shape;132;p21"/>
+            <p:cNvSpPr txBox="1"/>
+            <p:nvPr/>
+          </p:nvSpPr>
+          <p:spPr>
+            <a:xfrm>
+              <a:off x="7579372" y="652849"/>
+              <a:ext cx="367008" cy="338524"/>
+            </a:xfrm>
+            <a:prstGeom prst="rect">
+              <a:avLst/>
+            </a:prstGeom>
+            <a:noFill/>
+            <a:ln>
+              <a:noFill/>
+            </a:ln>
+          </p:spPr>
+          <p:txBody>
+            <a:bodyPr spcFirstLastPara="1" wrap="square" lIns="91425" tIns="91425" rIns="91425" bIns="91425" anchor="t" anchorCtr="0">
+              <a:spAutoFit/>
+            </a:bodyPr>
+            <a:lstStyle/>
+            <a:p>
+              <a:pPr marL="0" lvl="0" indent="0" algn="l" rtl="0">
+                <a:spcBef>
+                  <a:spcPts val="0"/>
+                </a:spcBef>
+                <a:spcAft>
+                  <a:spcPts val="0"/>
+                </a:spcAft>
+                <a:buNone/>
+              </a:pPr>
+              <a:r>
+                <a:rPr lang="en" sz="1000" dirty="0">
+                  <a:latin typeface="Calibri"/>
+                  <a:cs typeface="Calibri"/>
+                </a:rPr>
+                <a:t>Jira</a:t>
+              </a:r>
+              <a:endParaRPr sz="1000" dirty="0">
+                <a:latin typeface="Calibri"/>
+                <a:cs typeface="Calibri"/>
+              </a:endParaRPr>
+            </a:p>
+          </p:txBody>
+        </p:sp>
+      </p:grpSp>
+      <p:sp>
+        <p:nvSpPr>
+          <p:cNvPr id="25" name="TextBox 24">
+            <a:extLst>
+              <a:ext uri="{FF2B5EF4-FFF2-40B4-BE49-F238E27FC236}">
+                <a16:creationId xmlns:a16="http://schemas.microsoft.com/office/drawing/2014/main" xmlns="" id="{EE09A003-2C6A-4D6C-B941-1F1757EC8B6C}"/>
+              </a:ext>
+            </a:extLst>
+          </p:cNvPr>
+          <p:cNvSpPr txBox="1"/>
+          <p:nvPr/>
+        </p:nvSpPr>
+        <p:spPr>
+          <a:xfrm>
+            <a:off x="2913593" y="3473615"/>
+            <a:ext cx="772257" cy="215444"/>
+          </a:xfrm>
+          <a:prstGeom prst="rect">
+            <a:avLst/>
+          </a:prstGeom>
+          <a:noFill/>
+        </p:spPr>
+        <p:txBody>
+          <a:bodyPr rot="0" spcFirstLastPara="0" vertOverflow="overflow" horzOverflow="overflow" vert="horz" wrap="square" lIns="91440" tIns="45720" rIns="91440" bIns="45720" numCol="1" spcCol="0" rtlCol="0" fromWordArt="0" anchor="t" anchorCtr="0" forceAA="0" compatLnSpc="1">
+            <a:prstTxWarp prst="textNoShape">
+              <a:avLst/>
+            </a:prstTxWarp>
+            <a:spAutoFit/>
+          </a:bodyPr>
+          <a:lstStyle/>
+          <a:p>
+            <a:r>
+              <a:rPr lang="en-US" sz="800" b="1" dirty="0">
+                <a:latin typeface="Calibri"/>
+                <a:cs typeface="Calibri"/>
+              </a:rPr>
+              <a:t>Send Artefact</a:t>
+            </a:r>
+            <a:endParaRPr lang="en-US" dirty="0"/>
+          </a:p>
+        </p:txBody>
+      </p:sp>
+      <p:sp>
+        <p:nvSpPr>
+          <p:cNvPr id="26" name="TextBox 25">
+            <a:extLst>
+              <a:ext uri="{FF2B5EF4-FFF2-40B4-BE49-F238E27FC236}">
+                <a16:creationId xmlns:a16="http://schemas.microsoft.com/office/drawing/2014/main" xmlns="" id="{F77FB3CF-808F-4DD2-AAD3-060684193736}"/>
+              </a:ext>
+            </a:extLst>
+          </p:cNvPr>
+          <p:cNvSpPr txBox="1"/>
+          <p:nvPr/>
+        </p:nvSpPr>
+        <p:spPr>
+          <a:xfrm>
+            <a:off x="6008285" y="2336205"/>
+            <a:ext cx="633046" cy="215444"/>
+          </a:xfrm>
+          <a:prstGeom prst="rect">
+            <a:avLst/>
+          </a:prstGeom>
+          <a:noFill/>
+        </p:spPr>
+        <p:txBody>
+          <a:bodyPr rot="0" spcFirstLastPara="0" vertOverflow="overflow" horzOverflow="overflow" vert="horz" wrap="square" lIns="91440" tIns="45720" rIns="91440" bIns="45720" numCol="1" spcCol="0" rtlCol="0" fromWordArt="0" anchor="t" anchorCtr="0" forceAA="0" compatLnSpc="1">
+            <a:prstTxWarp prst="textNoShape">
+              <a:avLst/>
+            </a:prstTxWarp>
+            <a:spAutoFit/>
+          </a:bodyPr>
+          <a:lstStyle/>
+          <a:p>
+            <a:r>
+              <a:rPr lang="en-US" sz="800" b="1" dirty="0">
+                <a:latin typeface="Calibri"/>
+                <a:cs typeface="Calibri"/>
+              </a:rPr>
+              <a:t>Send Code</a:t>
+            </a:r>
+          </a:p>
+        </p:txBody>
+      </p:sp>
+      <p:sp>
+        <p:nvSpPr>
+          <p:cNvPr id="27" name="TextBox 26">
+            <a:extLst>
+              <a:ext uri="{FF2B5EF4-FFF2-40B4-BE49-F238E27FC236}">
+                <a16:creationId xmlns:a16="http://schemas.microsoft.com/office/drawing/2014/main" xmlns="" id="{3862086D-B539-442A-9654-1183F26D1D86}"/>
+              </a:ext>
+            </a:extLst>
+          </p:cNvPr>
+          <p:cNvSpPr txBox="1"/>
+          <p:nvPr/>
+        </p:nvSpPr>
+        <p:spPr>
+          <a:xfrm>
+            <a:off x="5179598" y="2850645"/>
+            <a:ext cx="823545" cy="215444"/>
+          </a:xfrm>
+          <a:prstGeom prst="rect">
+            <a:avLst/>
+          </a:prstGeom>
+          <a:noFill/>
+        </p:spPr>
+        <p:txBody>
+          <a:bodyPr rot="0" spcFirstLastPara="0" vertOverflow="overflow" horzOverflow="overflow" vert="horz" wrap="square" lIns="91440" tIns="45720" rIns="91440" bIns="45720" numCol="1" spcCol="0" rtlCol="0" fromWordArt="0" anchor="t" anchorCtr="0" forceAA="0" compatLnSpc="1">
+            <a:prstTxWarp prst="textNoShape">
+              <a:avLst/>
+            </a:prstTxWarp>
+            <a:spAutoFit/>
+          </a:bodyPr>
+          <a:lstStyle/>
+          <a:p>
+            <a:r>
+              <a:rPr lang="en-US" sz="800" b="1" dirty="0">
+                <a:latin typeface="Calibri"/>
+                <a:cs typeface="Calibri"/>
+              </a:rPr>
+              <a:t>Build Results</a:t>
+            </a:r>
+            <a:endParaRPr lang="en-US" dirty="0"/>
+          </a:p>
+        </p:txBody>
+      </p:sp>
+      <p:grpSp>
+        <p:nvGrpSpPr>
+          <p:cNvPr id="45" name="Group 44"/>
+          <p:cNvGrpSpPr/>
+          <p:nvPr/>
+        </p:nvGrpSpPr>
+        <p:grpSpPr>
+          <a:xfrm>
+            <a:off x="6992921" y="1992674"/>
+            <a:ext cx="1382493" cy="759428"/>
+            <a:chOff x="7039289" y="3041775"/>
+            <a:chExt cx="1382493" cy="759428"/>
+          </a:xfrm>
+        </p:grpSpPr>
+        <p:pic>
+          <p:nvPicPr>
+            <p:cNvPr id="28" name="Google Shape;100;p18" descr="Icon&#10;&#10;Description automatically generated">
+              <a:extLst>
+                <a:ext uri="{FF2B5EF4-FFF2-40B4-BE49-F238E27FC236}">
+                  <a16:creationId xmlns:a16="http://schemas.microsoft.com/office/drawing/2014/main" xmlns="" id="{FEF17A1E-E6F8-43BE-9CBA-5CFC3FB5EDB6}"/>
+                </a:ext>
+              </a:extLst>
+            </p:cNvPr>
+            <p:cNvPicPr preferRelativeResize="0"/>
+            <p:nvPr/>
+          </p:nvPicPr>
+          <p:blipFill>
+            <a:blip r:embed="rId6">
+              <a:alphaModFix/>
+            </a:blip>
+            <a:stretch>
+              <a:fillRect/>
+            </a:stretch>
+          </p:blipFill>
+          <p:spPr>
+            <a:xfrm>
+              <a:off x="7039289" y="3350217"/>
+              <a:ext cx="614514" cy="450986"/>
+            </a:xfrm>
+            <a:prstGeom prst="rect">
+              <a:avLst/>
+            </a:prstGeom>
+            <a:noFill/>
+            <a:ln>
+              <a:noFill/>
+            </a:ln>
+          </p:spPr>
+        </p:pic>
+        <p:sp>
+          <p:nvSpPr>
+            <p:cNvPr id="29" name="TextBox 28">
+              <a:extLst>
+                <a:ext uri="{FF2B5EF4-FFF2-40B4-BE49-F238E27FC236}">
+                  <a16:creationId xmlns:a16="http://schemas.microsoft.com/office/drawing/2014/main" xmlns="" id="{9915C35A-DF38-48FE-B1D3-ACF38C8E6B10}"/>
+                </a:ext>
+              </a:extLst>
+            </p:cNvPr>
+            <p:cNvSpPr txBox="1"/>
+            <p:nvPr/>
+          </p:nvSpPr>
+          <p:spPr>
+            <a:xfrm>
+              <a:off x="7039289" y="3041775"/>
+              <a:ext cx="1129351" cy="230832"/>
+            </a:xfrm>
+            <a:prstGeom prst="rect">
+              <a:avLst/>
+            </a:prstGeom>
+            <a:noFill/>
+          </p:spPr>
+          <p:txBody>
+            <a:bodyPr rot="0" spcFirstLastPara="0" vertOverflow="overflow" horzOverflow="overflow" vert="horz" wrap="square" lIns="91440" tIns="45720" rIns="91440" bIns="45720" numCol="1" spcCol="0" rtlCol="0" fromWordArt="0" anchor="t" anchorCtr="0" forceAA="0" compatLnSpc="1">
+              <a:prstTxWarp prst="textNoShape">
+                <a:avLst/>
+              </a:prstTxWarp>
+              <a:spAutoFit/>
+            </a:bodyPr>
+            <a:lstStyle/>
+            <a:p>
+              <a:pPr algn="ctr"/>
+              <a:r>
+                <a:rPr lang="en-US" sz="900" dirty="0">
+                  <a:solidFill>
+                    <a:schemeClr val="accent1"/>
+                  </a:solidFill>
+                  <a:latin typeface="Calibri"/>
+                  <a:cs typeface="Calibri"/>
+                </a:rPr>
+                <a:t>Testing Tool</a:t>
+              </a:r>
+            </a:p>
+          </p:txBody>
+        </p:sp>
+        <p:sp>
+          <p:nvSpPr>
+            <p:cNvPr id="30" name="Google Shape;133;p21"/>
+            <p:cNvSpPr txBox="1"/>
+            <p:nvPr/>
+          </p:nvSpPr>
+          <p:spPr>
+            <a:xfrm>
+              <a:off x="7653803" y="3490944"/>
+              <a:ext cx="767979" cy="307746"/>
+            </a:xfrm>
+            <a:prstGeom prst="rect">
+              <a:avLst/>
+            </a:prstGeom>
+            <a:noFill/>
+            <a:ln>
+              <a:noFill/>
+            </a:ln>
+          </p:spPr>
+          <p:txBody>
+            <a:bodyPr spcFirstLastPara="1" wrap="square" lIns="91425" tIns="91425" rIns="91425" bIns="91425" anchor="t" anchorCtr="0">
+              <a:spAutoFit/>
+            </a:bodyPr>
+            <a:lstStyle/>
+            <a:p>
+              <a:pPr marL="0" lvl="0" indent="0" algn="l" rtl="0">
+                <a:spcBef>
+                  <a:spcPts val="0"/>
+                </a:spcBef>
+                <a:spcAft>
+                  <a:spcPts val="0"/>
+                </a:spcAft>
+                <a:buClr>
+                  <a:schemeClr val="dk1"/>
+                </a:buClr>
+                <a:buSzPts val="1100"/>
+                <a:buFont typeface="Arial"/>
+                <a:buNone/>
+              </a:pPr>
+              <a:r>
+                <a:rPr lang="en" sz="800" dirty="0">
+                  <a:solidFill>
+                    <a:schemeClr val="dk2"/>
+                  </a:solidFill>
+                  <a:latin typeface="Calibri"/>
+                  <a:cs typeface="Calibri"/>
+                </a:rPr>
+                <a:t>SELENIUM</a:t>
+              </a:r>
+              <a:endParaRPr sz="800" dirty="0">
+                <a:latin typeface="Calibri"/>
+                <a:cs typeface="Calibri"/>
+              </a:endParaRPr>
+            </a:p>
+          </p:txBody>
+        </p:sp>
+      </p:grpSp>
+      <p:sp>
+        <p:nvSpPr>
+          <p:cNvPr id="31" name="TextBox 30">
+            <a:extLst>
+              <a:ext uri="{FF2B5EF4-FFF2-40B4-BE49-F238E27FC236}">
+                <a16:creationId xmlns:a16="http://schemas.microsoft.com/office/drawing/2014/main" xmlns="" id="{E4228BC7-4085-4F28-B6EF-E31CDBE849A7}"/>
+              </a:ext>
+            </a:extLst>
+          </p:cNvPr>
+          <p:cNvSpPr txBox="1"/>
+          <p:nvPr/>
+        </p:nvSpPr>
+        <p:spPr>
+          <a:xfrm>
+            <a:off x="7358378" y="2890316"/>
+            <a:ext cx="633046" cy="215444"/>
+          </a:xfrm>
+          <a:prstGeom prst="rect">
+            <a:avLst/>
+          </a:prstGeom>
+          <a:noFill/>
+        </p:spPr>
+        <p:txBody>
+          <a:bodyPr rot="0" spcFirstLastPara="0" vertOverflow="overflow" horzOverflow="overflow" vert="horz" wrap="square" lIns="91440" tIns="45720" rIns="91440" bIns="45720" numCol="1" spcCol="0" rtlCol="0" fromWordArt="0" anchor="t" anchorCtr="0" forceAA="0" compatLnSpc="1">
+            <a:prstTxWarp prst="textNoShape">
+              <a:avLst/>
+            </a:prstTxWarp>
+            <a:spAutoFit/>
+          </a:bodyPr>
+          <a:lstStyle/>
+          <a:p>
+            <a:r>
+              <a:rPr lang="en-US" sz="800" b="1" dirty="0">
+                <a:latin typeface="Calibri"/>
+                <a:cs typeface="Calibri"/>
+              </a:rPr>
+              <a:t>Run Tests</a:t>
+            </a:r>
+            <a:endParaRPr lang="en-US" dirty="0"/>
+          </a:p>
+        </p:txBody>
+      </p:sp>
+      <p:sp>
+        <p:nvSpPr>
+          <p:cNvPr id="32" name="TextBox 31">
+            <a:extLst>
+              <a:ext uri="{FF2B5EF4-FFF2-40B4-BE49-F238E27FC236}">
+                <a16:creationId xmlns:a16="http://schemas.microsoft.com/office/drawing/2014/main" xmlns="" id="{014E7DC4-6F96-4471-8167-15E6414A1E1F}"/>
+              </a:ext>
+            </a:extLst>
+          </p:cNvPr>
+          <p:cNvSpPr txBox="1"/>
+          <p:nvPr/>
+        </p:nvSpPr>
+        <p:spPr>
+          <a:xfrm>
+            <a:off x="5874431" y="4478719"/>
+            <a:ext cx="764930" cy="215444"/>
+          </a:xfrm>
+          <a:prstGeom prst="rect">
+            <a:avLst/>
+          </a:prstGeom>
+          <a:noFill/>
+        </p:spPr>
+        <p:txBody>
+          <a:bodyPr rot="0" spcFirstLastPara="0" vertOverflow="overflow" horzOverflow="overflow" vert="horz" wrap="square" lIns="91440" tIns="45720" rIns="91440" bIns="45720" numCol="1" spcCol="0" rtlCol="0" fromWordArt="0" anchor="t" anchorCtr="0" forceAA="0" compatLnSpc="1">
+            <a:prstTxWarp prst="textNoShape">
+              <a:avLst/>
+            </a:prstTxWarp>
+            <a:spAutoFit/>
+          </a:bodyPr>
+          <a:lstStyle/>
+          <a:p>
+            <a:r>
+              <a:rPr lang="en-US" sz="800" b="1" dirty="0">
+                <a:latin typeface="Calibri"/>
+                <a:cs typeface="Calibri"/>
+              </a:rPr>
+              <a:t>Test Artefact</a:t>
+            </a:r>
+            <a:endParaRPr lang="en-US" dirty="0"/>
+          </a:p>
+        </p:txBody>
+      </p:sp>
+      <p:grpSp>
+        <p:nvGrpSpPr>
+          <p:cNvPr id="46" name="Group 45"/>
+          <p:cNvGrpSpPr/>
+          <p:nvPr/>
+        </p:nvGrpSpPr>
+        <p:grpSpPr>
+          <a:xfrm>
+            <a:off x="1804625" y="4079504"/>
+            <a:ext cx="710712" cy="863163"/>
+            <a:chOff x="4296531" y="3924795"/>
+            <a:chExt cx="710712" cy="863163"/>
+          </a:xfrm>
+        </p:grpSpPr>
+        <p:sp>
+          <p:nvSpPr>
+            <p:cNvPr id="33" name="TextBox 32">
+              <a:extLst>
+                <a:ext uri="{FF2B5EF4-FFF2-40B4-BE49-F238E27FC236}">
+                  <a16:creationId xmlns:a16="http://schemas.microsoft.com/office/drawing/2014/main" xmlns="" id="{E3F9A578-2C50-4157-B45F-81E4BAC25E2B}"/>
+                </a:ext>
+              </a:extLst>
+            </p:cNvPr>
+            <p:cNvSpPr txBox="1"/>
+            <p:nvPr/>
+          </p:nvSpPr>
+          <p:spPr>
+            <a:xfrm>
+              <a:off x="4296531" y="3924795"/>
+              <a:ext cx="710712" cy="230832"/>
+            </a:xfrm>
+            <a:prstGeom prst="rect">
+              <a:avLst/>
+            </a:prstGeom>
+            <a:noFill/>
+          </p:spPr>
+          <p:txBody>
+            <a:bodyPr rot="0" spcFirstLastPara="0" vertOverflow="overflow" horzOverflow="overflow" vert="horz" wrap="square" lIns="91440" tIns="45720" rIns="91440" bIns="45720" numCol="1" spcCol="0" rtlCol="0" fromWordArt="0" anchor="t" anchorCtr="0" forceAA="0" compatLnSpc="1">
+              <a:prstTxWarp prst="textNoShape">
+                <a:avLst/>
+              </a:prstTxWarp>
+              <a:spAutoFit/>
+            </a:bodyPr>
+            <a:lstStyle/>
+            <a:p>
+              <a:pPr algn="ctr"/>
+              <a:r>
+                <a:rPr lang="en-US" sz="900" dirty="0">
+                  <a:solidFill>
+                    <a:schemeClr val="accent1"/>
+                  </a:solidFill>
+                  <a:latin typeface="Calibri"/>
+                </a:rPr>
+                <a:t>Testers</a:t>
+              </a:r>
+            </a:p>
+          </p:txBody>
+        </p:sp>
+        <p:pic>
+          <p:nvPicPr>
+            <p:cNvPr id="34" name="Picture 23" descr="Chart, bubble chart&#10;&#10;Description automatically generated">
+              <a:extLst>
+                <a:ext uri="{FF2B5EF4-FFF2-40B4-BE49-F238E27FC236}">
+                  <a16:creationId xmlns:a16="http://schemas.microsoft.com/office/drawing/2014/main" xmlns="" id="{8FB93CA6-0D9D-48F8-BCA9-CD36ACBA6E7B}"/>
+                </a:ext>
+              </a:extLst>
+            </p:cNvPr>
+            <p:cNvPicPr>
+              <a:picLocks noChangeAspect="1"/>
+            </p:cNvPicPr>
+            <p:nvPr/>
+          </p:nvPicPr>
+          <p:blipFill>
+            <a:blip r:embed="rId7"/>
+            <a:stretch>
+              <a:fillRect/>
+            </a:stretch>
+          </p:blipFill>
+          <p:spPr>
+            <a:xfrm>
+              <a:off x="4296531" y="4154178"/>
+              <a:ext cx="710712" cy="633780"/>
+            </a:xfrm>
+            <a:prstGeom prst="rect">
+              <a:avLst/>
+            </a:prstGeom>
+          </p:spPr>
+        </p:pic>
+      </p:grpSp>
+      <p:grpSp>
+        <p:nvGrpSpPr>
+          <p:cNvPr id="47" name="Group 46"/>
+          <p:cNvGrpSpPr/>
+          <p:nvPr/>
+        </p:nvGrpSpPr>
+        <p:grpSpPr>
+          <a:xfrm>
+            <a:off x="3935803" y="4047862"/>
+            <a:ext cx="1028702" cy="885565"/>
+            <a:chOff x="953696" y="4040211"/>
+            <a:chExt cx="1028702" cy="885565"/>
+          </a:xfrm>
+        </p:grpSpPr>
+        <p:sp>
+          <p:nvSpPr>
+            <p:cNvPr id="35" name="Google Shape;138;p21"/>
+            <p:cNvSpPr txBox="1"/>
+            <p:nvPr/>
+          </p:nvSpPr>
+          <p:spPr>
+            <a:xfrm>
+              <a:off x="953696" y="4040211"/>
+              <a:ext cx="1028701" cy="461635"/>
+            </a:xfrm>
+            <a:prstGeom prst="rect">
+              <a:avLst/>
+            </a:prstGeom>
+            <a:noFill/>
+            <a:ln>
+              <a:noFill/>
+            </a:ln>
+          </p:spPr>
+          <p:txBody>
+            <a:bodyPr spcFirstLastPara="1" wrap="square" lIns="91425" tIns="91425" rIns="91425" bIns="91425" anchor="t" anchorCtr="0">
+              <a:spAutoFit/>
+            </a:bodyPr>
+            <a:lstStyle/>
+            <a:p>
+              <a:pPr algn="ctr"/>
+              <a:r>
+                <a:rPr lang="en" sz="900" dirty="0">
+                  <a:solidFill>
+                    <a:schemeClr val="accent1"/>
+                  </a:solidFill>
+                  <a:latin typeface="Calibri"/>
+                  <a:cs typeface="Calibri"/>
+                </a:rPr>
+                <a:t>Testing Environment</a:t>
+              </a:r>
+              <a:endParaRPr sz="900" dirty="0">
+                <a:solidFill>
+                  <a:schemeClr val="accent1"/>
+                </a:solidFill>
+                <a:latin typeface="Calibri"/>
+                <a:cs typeface="Calibri"/>
+              </a:endParaRPr>
+            </a:p>
+          </p:txBody>
+        </p:sp>
+        <p:pic>
+          <p:nvPicPr>
+            <p:cNvPr id="36" name="Picture 25" descr="Text&#10;&#10;Description automatically generated">
+              <a:extLst>
+                <a:ext uri="{FF2B5EF4-FFF2-40B4-BE49-F238E27FC236}">
+                  <a16:creationId xmlns:a16="http://schemas.microsoft.com/office/drawing/2014/main" xmlns="" id="{5710E7BD-542D-4815-98AC-5B13CFD6906A}"/>
+                </a:ext>
+              </a:extLst>
+            </p:cNvPr>
+            <p:cNvPicPr>
+              <a:picLocks noChangeAspect="1"/>
+            </p:cNvPicPr>
+            <p:nvPr/>
+          </p:nvPicPr>
+          <p:blipFill>
+            <a:blip r:embed="rId8"/>
+            <a:stretch>
+              <a:fillRect/>
+            </a:stretch>
+          </p:blipFill>
+          <p:spPr>
+            <a:xfrm>
+              <a:off x="953697" y="4471068"/>
+              <a:ext cx="1028701" cy="454708"/>
+            </a:xfrm>
+            <a:prstGeom prst="rect">
+              <a:avLst/>
+            </a:prstGeom>
+          </p:spPr>
+        </p:pic>
+      </p:grpSp>
+      <p:grpSp>
+        <p:nvGrpSpPr>
+          <p:cNvPr id="44" name="Group 43"/>
+          <p:cNvGrpSpPr/>
+          <p:nvPr/>
+        </p:nvGrpSpPr>
+        <p:grpSpPr>
+          <a:xfrm>
+            <a:off x="3768564" y="2320415"/>
+            <a:ext cx="787014" cy="1002573"/>
+            <a:chOff x="4020025" y="1694785"/>
+            <a:chExt cx="787014" cy="1044161"/>
+          </a:xfrm>
+        </p:grpSpPr>
+        <p:pic>
+          <p:nvPicPr>
+            <p:cNvPr id="42" name="Google Shape;81;p16" descr="A picture containing text, clipart&#10;&#10;Description automatically generated">
+              <a:extLst>
+                <a:ext uri="{FF2B5EF4-FFF2-40B4-BE49-F238E27FC236}">
+                  <a16:creationId xmlns:a16="http://schemas.microsoft.com/office/drawing/2014/main" xmlns="" id="{C56EC715-D1DA-4A20-B545-FA22556E0281}"/>
+                </a:ext>
+              </a:extLst>
+            </p:cNvPr>
+            <p:cNvPicPr preferRelativeResize="0"/>
+            <p:nvPr/>
+          </p:nvPicPr>
+          <p:blipFill>
+            <a:blip r:embed="rId9">
+              <a:alphaModFix/>
+            </a:blip>
+            <a:stretch>
+              <a:fillRect/>
+            </a:stretch>
+          </p:blipFill>
+          <p:spPr>
+            <a:xfrm>
+              <a:off x="4136826" y="1937155"/>
+              <a:ext cx="626657" cy="801791"/>
+            </a:xfrm>
+            <a:prstGeom prst="rect">
+              <a:avLst/>
+            </a:prstGeom>
+            <a:noFill/>
+            <a:ln>
+              <a:noFill/>
+            </a:ln>
+          </p:spPr>
+        </p:pic>
+        <p:sp>
+          <p:nvSpPr>
+            <p:cNvPr id="43" name="Google Shape;128;p21"/>
+            <p:cNvSpPr txBox="1"/>
+            <p:nvPr/>
+          </p:nvSpPr>
+          <p:spPr>
+            <a:xfrm>
+              <a:off x="4020025" y="1694785"/>
+              <a:ext cx="787014" cy="253244"/>
+            </a:xfrm>
+            <a:prstGeom prst="rect">
+              <a:avLst/>
+            </a:prstGeom>
+            <a:noFill/>
+            <a:ln>
+              <a:noFill/>
+            </a:ln>
+          </p:spPr>
+          <p:txBody>
+            <a:bodyPr spcFirstLastPara="1" wrap="square" lIns="91425" tIns="91425" rIns="91425" bIns="91425" anchor="ctr" anchorCtr="0">
+              <a:noAutofit/>
+            </a:bodyPr>
+            <a:lstStyle/>
+            <a:p>
+              <a:pPr algn="ctr"/>
+              <a:r>
+                <a:rPr lang="en-US" sz="900" dirty="0">
+                  <a:solidFill>
+                    <a:schemeClr val="accent1"/>
+                  </a:solidFill>
+                  <a:latin typeface="Calibri"/>
+                  <a:cs typeface="Calibri"/>
+                </a:rPr>
+                <a:t>CI server</a:t>
+              </a:r>
+            </a:p>
+          </p:txBody>
+        </p:sp>
+      </p:grpSp>
+      <p:grpSp>
+        <p:nvGrpSpPr>
+          <p:cNvPr id="50" name="Group 49"/>
+          <p:cNvGrpSpPr/>
+          <p:nvPr/>
+        </p:nvGrpSpPr>
+        <p:grpSpPr>
+          <a:xfrm>
+            <a:off x="407405" y="1952904"/>
+            <a:ext cx="532332" cy="1651488"/>
+            <a:chOff x="339236" y="1767988"/>
+            <a:chExt cx="559778" cy="1651488"/>
+          </a:xfrm>
+        </p:grpSpPr>
+        <p:sp>
+          <p:nvSpPr>
+            <p:cNvPr id="48" name="TextBox 47">
+              <a:extLst>
+                <a:ext uri="{FF2B5EF4-FFF2-40B4-BE49-F238E27FC236}">
+                  <a16:creationId xmlns:a16="http://schemas.microsoft.com/office/drawing/2014/main" xmlns="" id="{A350A9A9-CB60-4771-9C72-9B62A5E10C73}"/>
+                </a:ext>
+              </a:extLst>
+            </p:cNvPr>
+            <p:cNvSpPr txBox="1"/>
+            <p:nvPr/>
+          </p:nvSpPr>
+          <p:spPr>
+            <a:xfrm>
+              <a:off x="339236" y="1767988"/>
+              <a:ext cx="559778" cy="369332"/>
+            </a:xfrm>
+            <a:prstGeom prst="rect">
+              <a:avLst/>
+            </a:prstGeom>
+            <a:noFill/>
+          </p:spPr>
+          <p:txBody>
+            <a:bodyPr rot="0" spcFirstLastPara="0" vertOverflow="overflow" horzOverflow="overflow" vert="horz" wrap="square" lIns="91440" tIns="45720" rIns="91440" bIns="45720" numCol="1" spcCol="0" rtlCol="0" fromWordArt="0" anchor="t" anchorCtr="0" forceAA="0" compatLnSpc="1">
+              <a:prstTxWarp prst="textNoShape">
+                <a:avLst/>
+              </a:prstTxWarp>
+              <a:spAutoFit/>
+            </a:bodyPr>
+            <a:lstStyle/>
+            <a:p>
+              <a:pPr algn="l"/>
+              <a:r>
+                <a:rPr lang="en-US" sz="900" dirty="0">
+                  <a:solidFill>
+                    <a:schemeClr val="accent1"/>
+                  </a:solidFill>
+                  <a:latin typeface="Calibri"/>
+                  <a:cs typeface="Calibri"/>
+                </a:rPr>
+                <a:t>DEVOPS</a:t>
+              </a:r>
+            </a:p>
+          </p:txBody>
+        </p:sp>
+        <p:pic>
+          <p:nvPicPr>
+            <p:cNvPr id="49" name="Picture 48" descr="A picture containing text, transport, wheel&#10;&#10;Description automatically generated">
+              <a:extLst>
+                <a:ext uri="{FF2B5EF4-FFF2-40B4-BE49-F238E27FC236}">
+                  <a16:creationId xmlns:a16="http://schemas.microsoft.com/office/drawing/2014/main" xmlns="" id="{081B55D4-DC16-4367-A21D-50E28042FFB0}"/>
+                </a:ext>
+              </a:extLst>
+            </p:cNvPr>
+            <p:cNvPicPr>
+              <a:picLocks noChangeAspect="1"/>
+            </p:cNvPicPr>
+            <p:nvPr/>
+          </p:nvPicPr>
+          <p:blipFill>
+            <a:blip r:embed="rId10"/>
+            <a:stretch>
+              <a:fillRect/>
+            </a:stretch>
+          </p:blipFill>
+          <p:spPr>
+            <a:xfrm rot="16200000">
+              <a:off x="-100375" y="2440265"/>
+              <a:ext cx="1431681" cy="526742"/>
+            </a:xfrm>
+            <a:prstGeom prst="rect">
+              <a:avLst/>
+            </a:prstGeom>
+          </p:spPr>
+        </p:pic>
+      </p:grpSp>
+      <p:cxnSp>
+        <p:nvCxnSpPr>
+          <p:cNvPr id="53" name="Straight Arrow Connector 52"/>
+          <p:cNvCxnSpPr/>
+          <p:nvPr/>
+        </p:nvCxnSpPr>
+        <p:spPr>
+          <a:xfrm flipV="1">
+            <a:off x="3128016" y="366858"/>
+            <a:ext cx="4439608" cy="31338"/>
+          </a:xfrm>
+          <a:prstGeom prst="straightConnector1">
+            <a:avLst/>
+          </a:prstGeom>
+          <a:ln>
+            <a:tailEnd type="triangle"/>
+          </a:ln>
+        </p:spPr>
+        <p:style>
+          <a:lnRef idx="1">
+            <a:schemeClr val="accent1"/>
+          </a:lnRef>
+          <a:fillRef idx="0">
+            <a:schemeClr val="accent1"/>
+          </a:fillRef>
+          <a:effectRef idx="0">
+            <a:schemeClr val="accent1"/>
+          </a:effectRef>
+          <a:fontRef idx="minor">
+            <a:schemeClr val="tx1"/>
+          </a:fontRef>
+        </p:style>
+      </p:cxnSp>
+      <p:cxnSp>
+        <p:nvCxnSpPr>
+          <p:cNvPr id="55" name="Straight Arrow Connector 54"/>
+          <p:cNvCxnSpPr/>
+          <p:nvPr/>
+        </p:nvCxnSpPr>
+        <p:spPr>
+          <a:xfrm flipH="1">
+            <a:off x="2551206" y="1052874"/>
+            <a:ext cx="1113167" cy="7798"/>
+          </a:xfrm>
+          <a:prstGeom prst="straightConnector1">
+            <a:avLst/>
+          </a:prstGeom>
+          <a:ln>
+            <a:tailEnd type="triangle"/>
+          </a:ln>
+        </p:spPr>
+        <p:style>
+          <a:lnRef idx="1">
+            <a:schemeClr val="accent1"/>
+          </a:lnRef>
+          <a:fillRef idx="0">
+            <a:schemeClr val="accent1"/>
+          </a:fillRef>
+          <a:effectRef idx="0">
+            <a:schemeClr val="accent1"/>
+          </a:effectRef>
+          <a:fontRef idx="minor">
+            <a:schemeClr val="tx1"/>
+          </a:fontRef>
+        </p:style>
+      </p:cxnSp>
+      <p:cxnSp>
+        <p:nvCxnSpPr>
+          <p:cNvPr id="57" name="Straight Arrow Connector 56"/>
+          <p:cNvCxnSpPr/>
+          <p:nvPr/>
+        </p:nvCxnSpPr>
+        <p:spPr>
+          <a:xfrm>
+            <a:off x="2596170" y="1405006"/>
+            <a:ext cx="1135937" cy="0"/>
+          </a:xfrm>
+          <a:prstGeom prst="straightConnector1">
+            <a:avLst/>
+          </a:prstGeom>
+          <a:ln>
+            <a:tailEnd type="triangle"/>
+          </a:ln>
+        </p:spPr>
+        <p:style>
+          <a:lnRef idx="1">
+            <a:schemeClr val="accent1"/>
+          </a:lnRef>
+          <a:fillRef idx="0">
+            <a:schemeClr val="accent1"/>
+          </a:fillRef>
+          <a:effectRef idx="0">
+            <a:schemeClr val="accent1"/>
+          </a:effectRef>
+          <a:fontRef idx="minor">
+            <a:schemeClr val="tx1"/>
+          </a:fontRef>
+        </p:style>
+      </p:cxnSp>
+      <p:cxnSp>
+        <p:nvCxnSpPr>
+          <p:cNvPr id="58" name="Straight Arrow Connector 57"/>
+          <p:cNvCxnSpPr/>
+          <p:nvPr/>
+        </p:nvCxnSpPr>
+        <p:spPr>
+          <a:xfrm flipH="1">
+            <a:off x="4787806" y="726780"/>
+            <a:ext cx="2694269" cy="367060"/>
+          </a:xfrm>
+          <a:prstGeom prst="straightConnector1">
+            <a:avLst/>
+          </a:prstGeom>
+          <a:ln>
+            <a:tailEnd type="triangle"/>
+          </a:ln>
+        </p:spPr>
+        <p:style>
+          <a:lnRef idx="1">
+            <a:schemeClr val="accent1"/>
+          </a:lnRef>
+          <a:fillRef idx="0">
+            <a:schemeClr val="accent1"/>
+          </a:fillRef>
+          <a:effectRef idx="0">
+            <a:schemeClr val="accent1"/>
+          </a:effectRef>
+          <a:fontRef idx="minor">
+            <a:schemeClr val="tx1"/>
+          </a:fontRef>
+        </p:style>
+      </p:cxnSp>
+      <p:cxnSp>
+        <p:nvCxnSpPr>
+          <p:cNvPr id="60" name="Straight Arrow Connector 59"/>
+          <p:cNvCxnSpPr/>
+          <p:nvPr/>
+        </p:nvCxnSpPr>
+        <p:spPr>
+          <a:xfrm flipV="1">
+            <a:off x="4714463" y="1042514"/>
+            <a:ext cx="2767612" cy="466367"/>
+          </a:xfrm>
+          <a:prstGeom prst="straightConnector1">
+            <a:avLst/>
+          </a:prstGeom>
+          <a:ln>
+            <a:tailEnd type="triangle"/>
+          </a:ln>
+        </p:spPr>
+        <p:style>
+          <a:lnRef idx="1">
+            <a:schemeClr val="accent1"/>
+          </a:lnRef>
+          <a:fillRef idx="0">
+            <a:schemeClr val="accent1"/>
+          </a:fillRef>
+          <a:effectRef idx="0">
+            <a:schemeClr val="accent1"/>
+          </a:effectRef>
+          <a:fontRef idx="minor">
+            <a:schemeClr val="tx1"/>
+          </a:fontRef>
+        </p:style>
+      </p:cxnSp>
+      <p:cxnSp>
+        <p:nvCxnSpPr>
+          <p:cNvPr id="63" name="Straight Arrow Connector 62"/>
+          <p:cNvCxnSpPr/>
+          <p:nvPr/>
+        </p:nvCxnSpPr>
+        <p:spPr>
+          <a:xfrm>
+            <a:off x="4009813" y="1635838"/>
+            <a:ext cx="13547" cy="611078"/>
+          </a:xfrm>
+          <a:prstGeom prst="straightConnector1">
+            <a:avLst/>
+          </a:prstGeom>
+          <a:ln>
+            <a:tailEnd type="triangle"/>
+          </a:ln>
+        </p:spPr>
+        <p:style>
+          <a:lnRef idx="1">
+            <a:schemeClr val="accent1"/>
+          </a:lnRef>
+          <a:fillRef idx="0">
+            <a:schemeClr val="accent1"/>
+          </a:fillRef>
+          <a:effectRef idx="0">
+            <a:schemeClr val="accent1"/>
+          </a:effectRef>
+          <a:fontRef idx="minor">
+            <a:schemeClr val="tx1"/>
+          </a:fontRef>
+        </p:style>
+      </p:cxnSp>
+      <p:cxnSp>
+        <p:nvCxnSpPr>
+          <p:cNvPr id="64" name="Straight Arrow Connector 63"/>
+          <p:cNvCxnSpPr/>
+          <p:nvPr/>
+        </p:nvCxnSpPr>
+        <p:spPr>
+          <a:xfrm flipV="1">
+            <a:off x="4368526" y="1598683"/>
+            <a:ext cx="25772" cy="645422"/>
+          </a:xfrm>
+          <a:prstGeom prst="straightConnector1">
+            <a:avLst/>
+          </a:prstGeom>
+          <a:ln>
+            <a:tailEnd type="triangle"/>
+          </a:ln>
+        </p:spPr>
+        <p:style>
+          <a:lnRef idx="1">
+            <a:schemeClr val="accent1"/>
+          </a:lnRef>
+          <a:fillRef idx="0">
+            <a:schemeClr val="accent1"/>
+          </a:fillRef>
+          <a:effectRef idx="0">
+            <a:schemeClr val="accent1"/>
+          </a:effectRef>
+          <a:fontRef idx="minor">
+            <a:schemeClr val="tx1"/>
+          </a:fontRef>
+        </p:style>
+      </p:cxnSp>
+      <p:sp>
+        <p:nvSpPr>
+          <p:cNvPr id="67" name="TextBox 66">
+            <a:extLst>
+              <a:ext uri="{FF2B5EF4-FFF2-40B4-BE49-F238E27FC236}">
+                <a16:creationId xmlns:a16="http://schemas.microsoft.com/office/drawing/2014/main" xmlns="" id="{23512E02-E61B-42B0-91CF-047D51AAFEFA}"/>
+              </a:ext>
+            </a:extLst>
+          </p:cNvPr>
+          <p:cNvSpPr txBox="1"/>
+          <p:nvPr/>
+        </p:nvSpPr>
+        <p:spPr>
+          <a:xfrm>
+            <a:off x="3492302" y="1870668"/>
+            <a:ext cx="508489" cy="338554"/>
+          </a:xfrm>
+          <a:prstGeom prst="rect">
+            <a:avLst/>
+          </a:prstGeom>
+          <a:noFill/>
+        </p:spPr>
+        <p:txBody>
+          <a:bodyPr rot="0" spcFirstLastPara="0" vertOverflow="overflow" horzOverflow="overflow" vert="horz" wrap="square" lIns="91440" tIns="45720" rIns="91440" bIns="45720" numCol="1" spcCol="0" rtlCol="0" fromWordArt="0" anchor="t" anchorCtr="0" forceAA="0" compatLnSpc="1">
+            <a:prstTxWarp prst="textNoShape">
+              <a:avLst/>
+            </a:prstTxWarp>
+            <a:spAutoFit/>
+          </a:bodyPr>
+          <a:lstStyle/>
+          <a:p>
+            <a:pPr algn="l"/>
+            <a:r>
+              <a:rPr lang="en-US" sz="800" b="1" dirty="0" smtClean="0">
+                <a:latin typeface="Calibri"/>
+                <a:cs typeface="Calibri"/>
+              </a:rPr>
+              <a:t>Pull Code</a:t>
+            </a:r>
+            <a:endParaRPr lang="en-US" sz="800" b="1" dirty="0">
+              <a:latin typeface="Calibri"/>
+              <a:cs typeface="Calibri"/>
+            </a:endParaRPr>
+          </a:p>
+        </p:txBody>
+      </p:sp>
+      <p:sp>
+        <p:nvSpPr>
+          <p:cNvPr id="68" name="TextBox 67">
+            <a:extLst>
+              <a:ext uri="{FF2B5EF4-FFF2-40B4-BE49-F238E27FC236}">
+                <a16:creationId xmlns:a16="http://schemas.microsoft.com/office/drawing/2014/main" xmlns="" id="{23512E02-E61B-42B0-91CF-047D51AAFEFA}"/>
+              </a:ext>
+            </a:extLst>
+          </p:cNvPr>
+          <p:cNvSpPr txBox="1"/>
+          <p:nvPr/>
+        </p:nvSpPr>
+        <p:spPr>
+          <a:xfrm>
+            <a:off x="4411019" y="1855979"/>
+            <a:ext cx="508489" cy="338554"/>
+          </a:xfrm>
+          <a:prstGeom prst="rect">
+            <a:avLst/>
+          </a:prstGeom>
+          <a:noFill/>
+        </p:spPr>
+        <p:txBody>
+          <a:bodyPr rot="0" spcFirstLastPara="0" vertOverflow="overflow" horzOverflow="overflow" vert="horz" wrap="square" lIns="91440" tIns="45720" rIns="91440" bIns="45720" numCol="1" spcCol="0" rtlCol="0" fromWordArt="0" anchor="t" anchorCtr="0" forceAA="0" compatLnSpc="1">
+            <a:prstTxWarp prst="textNoShape">
+              <a:avLst/>
+            </a:prstTxWarp>
+            <a:spAutoFit/>
+          </a:bodyPr>
+          <a:lstStyle/>
+          <a:p>
+            <a:pPr algn="l"/>
+            <a:r>
+              <a:rPr lang="en-US" sz="800" b="1" dirty="0" smtClean="0">
+                <a:latin typeface="Calibri"/>
+                <a:cs typeface="Calibri"/>
+              </a:rPr>
+              <a:t>Poll Code</a:t>
+            </a:r>
+            <a:endParaRPr lang="en-US" sz="800" b="1" dirty="0">
+              <a:latin typeface="Calibri"/>
+              <a:cs typeface="Calibri"/>
+            </a:endParaRPr>
+          </a:p>
+        </p:txBody>
+      </p:sp>
+      <p:cxnSp>
+        <p:nvCxnSpPr>
+          <p:cNvPr id="70" name="Straight Arrow Connector 69"/>
+          <p:cNvCxnSpPr>
+            <a:endCxn id="28" idx="1"/>
+          </p:cNvCxnSpPr>
+          <p:nvPr/>
+        </p:nvCxnSpPr>
+        <p:spPr>
+          <a:xfrm flipV="1">
+            <a:off x="4512022" y="2526609"/>
+            <a:ext cx="2480899" cy="128538"/>
+          </a:xfrm>
+          <a:prstGeom prst="straightConnector1">
+            <a:avLst/>
+          </a:prstGeom>
+          <a:ln>
+            <a:tailEnd type="triangle"/>
+          </a:ln>
+        </p:spPr>
+        <p:style>
+          <a:lnRef idx="1">
+            <a:schemeClr val="accent1"/>
+          </a:lnRef>
+          <a:fillRef idx="0">
+            <a:schemeClr val="accent1"/>
+          </a:fillRef>
+          <a:effectRef idx="0">
+            <a:schemeClr val="accent1"/>
+          </a:effectRef>
+          <a:fontRef idx="minor">
+            <a:schemeClr val="tx1"/>
+          </a:fontRef>
+        </p:style>
+      </p:cxnSp>
+      <p:cxnSp>
+        <p:nvCxnSpPr>
+          <p:cNvPr id="72" name="Straight Arrow Connector 71"/>
+          <p:cNvCxnSpPr/>
+          <p:nvPr/>
+        </p:nvCxnSpPr>
+        <p:spPr>
+          <a:xfrm flipH="1">
+            <a:off x="4512022" y="2749589"/>
+            <a:ext cx="2552565" cy="379691"/>
+          </a:xfrm>
+          <a:prstGeom prst="straightConnector1">
+            <a:avLst/>
+          </a:prstGeom>
+          <a:ln>
+            <a:tailEnd type="triangle"/>
+          </a:ln>
+        </p:spPr>
+        <p:style>
+          <a:lnRef idx="1">
+            <a:schemeClr val="accent1"/>
+          </a:lnRef>
+          <a:fillRef idx="0">
+            <a:schemeClr val="accent1"/>
+          </a:fillRef>
+          <a:effectRef idx="0">
+            <a:schemeClr val="accent1"/>
+          </a:effectRef>
+          <a:fontRef idx="minor">
+            <a:schemeClr val="tx1"/>
+          </a:fontRef>
+        </p:style>
+      </p:cxnSp>
+      <p:cxnSp>
+        <p:nvCxnSpPr>
+          <p:cNvPr id="74" name="Straight Arrow Connector 73"/>
+          <p:cNvCxnSpPr/>
+          <p:nvPr/>
+        </p:nvCxnSpPr>
+        <p:spPr>
+          <a:xfrm flipH="1">
+            <a:off x="2370667" y="3129280"/>
+            <a:ext cx="1514698" cy="950224"/>
+          </a:xfrm>
+          <a:prstGeom prst="straightConnector1">
+            <a:avLst/>
+          </a:prstGeom>
+          <a:ln>
+            <a:tailEnd type="triangle"/>
+          </a:ln>
+        </p:spPr>
+        <p:style>
+          <a:lnRef idx="1">
+            <a:schemeClr val="accent1"/>
+          </a:lnRef>
+          <a:fillRef idx="0">
+            <a:schemeClr val="accent1"/>
+          </a:fillRef>
+          <a:effectRef idx="0">
+            <a:schemeClr val="accent1"/>
+          </a:effectRef>
+          <a:fontRef idx="minor">
+            <a:schemeClr val="tx1"/>
+          </a:fontRef>
+        </p:style>
+      </p:cxnSp>
+      <p:cxnSp>
+        <p:nvCxnSpPr>
+          <p:cNvPr id="76" name="Straight Arrow Connector 75"/>
+          <p:cNvCxnSpPr/>
+          <p:nvPr/>
+        </p:nvCxnSpPr>
+        <p:spPr>
+          <a:xfrm>
+            <a:off x="2596170" y="4478719"/>
+            <a:ext cx="1241426" cy="0"/>
+          </a:xfrm>
+          <a:prstGeom prst="straightConnector1">
+            <a:avLst/>
+          </a:prstGeom>
+          <a:ln>
+            <a:tailEnd type="triangle"/>
+          </a:ln>
+        </p:spPr>
+        <p:style>
+          <a:lnRef idx="1">
+            <a:schemeClr val="accent1"/>
+          </a:lnRef>
+          <a:fillRef idx="0">
+            <a:schemeClr val="accent1"/>
+          </a:fillRef>
+          <a:effectRef idx="0">
+            <a:schemeClr val="accent1"/>
+          </a:effectRef>
+          <a:fontRef idx="minor">
+            <a:schemeClr val="tx1"/>
+          </a:fontRef>
+        </p:style>
+      </p:cxnSp>
+      <p:cxnSp>
+        <p:nvCxnSpPr>
+          <p:cNvPr id="78" name="Straight Arrow Connector 77"/>
+          <p:cNvCxnSpPr/>
+          <p:nvPr/>
+        </p:nvCxnSpPr>
+        <p:spPr>
+          <a:xfrm>
+            <a:off x="5062711" y="4509497"/>
+            <a:ext cx="725593" cy="0"/>
+          </a:xfrm>
+          <a:prstGeom prst="straightConnector1">
+            <a:avLst/>
+          </a:prstGeom>
+          <a:ln>
+            <a:tailEnd type="triangle"/>
+          </a:ln>
+        </p:spPr>
+        <p:style>
+          <a:lnRef idx="1">
+            <a:schemeClr val="accent1"/>
+          </a:lnRef>
+          <a:fillRef idx="0">
+            <a:schemeClr val="accent1"/>
+          </a:fillRef>
+          <a:effectRef idx="0">
+            <a:schemeClr val="accent1"/>
+          </a:effectRef>
+          <a:fontRef idx="minor">
+            <a:schemeClr val="tx1"/>
+          </a:fontRef>
+        </p:style>
+      </p:cxnSp>
+      <p:pic>
+        <p:nvPicPr>
+          <p:cNvPr id="83" name="Picture 82"/>
+          <p:cNvPicPr>
+            <a:picLocks noChangeAspect="1"/>
+          </p:cNvPicPr>
+          <p:nvPr/>
+        </p:nvPicPr>
+        <p:blipFill>
+          <a:blip r:embed="rId11"/>
+          <a:stretch>
+            <a:fillRect/>
+          </a:stretch>
+        </p:blipFill>
+        <p:spPr>
+          <a:xfrm>
+            <a:off x="6983164" y="3585320"/>
+            <a:ext cx="1809750" cy="1219200"/>
+          </a:xfrm>
+          <a:prstGeom prst="rect">
+            <a:avLst/>
+          </a:prstGeom>
+        </p:spPr>
+      </p:pic>
+      <p:cxnSp>
+        <p:nvCxnSpPr>
+          <p:cNvPr id="85" name="Straight Arrow Connector 84"/>
+          <p:cNvCxnSpPr/>
+          <p:nvPr/>
+        </p:nvCxnSpPr>
+        <p:spPr>
+          <a:xfrm flipV="1">
+            <a:off x="6590453" y="4138507"/>
+            <a:ext cx="623147" cy="340212"/>
+          </a:xfrm>
+          <a:prstGeom prst="straightConnector1">
+            <a:avLst/>
+          </a:prstGeom>
+          <a:ln>
+            <a:tailEnd type="triangle"/>
+          </a:ln>
+        </p:spPr>
+        <p:style>
+          <a:lnRef idx="1">
+            <a:schemeClr val="accent1"/>
+          </a:lnRef>
+          <a:fillRef idx="0">
+            <a:schemeClr val="accent1"/>
+          </a:fillRef>
+          <a:effectRef idx="0">
+            <a:schemeClr val="accent1"/>
+          </a:effectRef>
+          <a:fontRef idx="minor">
+            <a:schemeClr val="tx1"/>
+          </a:fontRef>
+        </p:style>
+      </p:cxnSp>
+      <p:sp>
+        <p:nvSpPr>
+          <p:cNvPr id="86" name="Rectangle 85"/>
+          <p:cNvSpPr/>
+          <p:nvPr/>
+        </p:nvSpPr>
+        <p:spPr>
+          <a:xfrm>
+            <a:off x="1216152" y="77523"/>
+            <a:ext cx="2048959" cy="461665"/>
+          </a:xfrm>
+          <a:prstGeom prst="rect">
+            <a:avLst/>
+          </a:prstGeom>
+          <a:noFill/>
+        </p:spPr>
+        <p:txBody>
+          <a:bodyPr wrap="none" lIns="91440" tIns="45720" rIns="91440" bIns="45720">
+            <a:spAutoFit/>
+          </a:bodyPr>
+          <a:lstStyle/>
+          <a:p>
+            <a:pPr algn="ctr"/>
+            <a:r>
+              <a:rPr lang="en-US" sz="2400" b="1" cap="none" spc="50" dirty="0" smtClean="0">
+                <a:ln w="9525" cmpd="sng">
+                  <a:solidFill>
+                    <a:schemeClr val="accent1"/>
+                  </a:solidFill>
+                  <a:prstDash val="solid"/>
+                </a:ln>
+                <a:solidFill>
+                  <a:schemeClr val="accent4"/>
+                </a:solidFill>
+                <a:effectLst>
+                  <a:glow rad="38100">
+                    <a:schemeClr val="accent1">
+                      <a:alpha val="40000"/>
+                    </a:schemeClr>
+                  </a:glow>
+                </a:effectLst>
+              </a:rPr>
+              <a:t>CI PIPELINE</a:t>
+            </a:r>
+            <a:endParaRPr lang="en-US" sz="2400" b="1" cap="none" spc="50" dirty="0">
+              <a:ln w="9525" cmpd="sng">
+                <a:solidFill>
+                  <a:schemeClr val="accent1"/>
+                </a:solidFill>
+                <a:prstDash val="solid"/>
+              </a:ln>
+              <a:solidFill>
+                <a:schemeClr val="accent4"/>
+              </a:solidFill>
+              <a:effectLst>
+                <a:glow rad="38100">
+                  <a:schemeClr val="accent1">
+                    <a:alpha val="40000"/>
+                  </a:schemeClr>
+                </a:glow>
+              </a:effectLst>
+            </a:endParaRPr>
+          </a:p>
+        </p:txBody>
+      </p:sp>
+      <p:sp>
+        <p:nvSpPr>
+          <p:cNvPr id="87" name="Cloud Callout 86"/>
+          <p:cNvSpPr/>
+          <p:nvPr/>
+        </p:nvSpPr>
+        <p:spPr>
+          <a:xfrm>
+            <a:off x="968569" y="26005"/>
+            <a:ext cx="2498300" cy="612648"/>
+          </a:xfrm>
+          <a:prstGeom prst="cloudCallout">
+            <a:avLst>
+              <a:gd name="adj1" fmla="val -56078"/>
+              <a:gd name="adj2" fmla="val 51444"/>
+            </a:avLst>
+          </a:prstGeom>
+          <a:noFill/>
+        </p:spPr>
+        <p:style>
+          <a:lnRef idx="2">
+            <a:schemeClr val="accent1">
+              <a:shade val="50000"/>
+            </a:schemeClr>
+          </a:lnRef>
+          <a:fillRef idx="1">
+            <a:schemeClr val="accent1"/>
+          </a:fillRef>
+          <a:effectRef idx="0">
+            <a:schemeClr val="accent1"/>
+          </a:effectRef>
+          <a:fontRef idx="minor">
+            <a:schemeClr val="lt1"/>
+          </a:fontRef>
+        </p:style>
+        <p:txBody>
+          <a:bodyPr rtlCol="0" anchor="ctr"/>
+          <a:lstStyle/>
+          <a:p>
+            <a:pPr algn="ctr"/>
+            <a:endParaRPr lang="en-GB"/>
+          </a:p>
+        </p:txBody>
+      </p:sp>
+    </p:spTree>
+    <p:extLst>
+      <p:ext uri="{BB962C8B-B14F-4D97-AF65-F5344CB8AC3E}">
+        <p14:creationId xmlns:p14="http://schemas.microsoft.com/office/powerpoint/2010/main" val="1443839734"/>
       </p:ext>
     </p:extLst>
   </p:cSld>
